--- a/022_01_BubbleSort_C.pptx
+++ b/022_01_BubbleSort_C.pptx
@@ -6594,7 +6594,7 @@
                   <a:schemeClr val="tx1"/>
                 </a:solidFill>
               </a:rPr>
-              <a:t>Hash Table: C</a:t>
+              <a:t>Bubble Sort: C</a:t>
             </a:r>
           </a:p>
           <a:p>
